--- a/Demo Spring Batch.pptx
+++ b/Demo Spring Batch.pptx
@@ -7,7 +7,7 @@
     <p:sldMasterId id="2147483678" r:id="rId6"/>
   </p:sldMasterIdLst>
   <p:notesMasterIdLst>
-    <p:notesMasterId r:id="rId20"/>
+    <p:notesMasterId r:id="rId21"/>
   </p:notesMasterIdLst>
   <p:sldIdLst>
     <p:sldId id="256" r:id="rId7"/>
@@ -21,8 +21,9 @@
     <p:sldId id="261" r:id="rId15"/>
     <p:sldId id="262" r:id="rId16"/>
     <p:sldId id="269" r:id="rId17"/>
-    <p:sldId id="270" r:id="rId18"/>
-    <p:sldId id="265" r:id="rId19"/>
+    <p:sldId id="271" r:id="rId18"/>
+    <p:sldId id="270" r:id="rId19"/>
+    <p:sldId id="265" r:id="rId20"/>
   </p:sldIdLst>
   <p:sldSz cx="9144000" cy="6858000" type="screen4x3"/>
   <p:notesSz cx="6858000" cy="9144000"/>
@@ -8014,7 +8015,6 @@
               <a:rPr lang="nl-BE" dirty="0" smtClean="0"/>
               <a:t> down…</a:t>
             </a:r>
-            <a:endParaRPr lang="nl-BE" dirty="0" smtClean="0"/>
           </a:p>
           <a:p>
             <a:pPr lvl="1"/>
@@ -8315,6 +8315,1083 @@
             <p:ph idx="1"/>
           </p:nvPr>
         </p:nvSpPr>
+        <p:spPr>
+          <a:xfrm>
+            <a:off x="540000" y="4554583"/>
+            <a:ext cx="8100000" cy="1140823"/>
+          </a:xfrm>
+        </p:spPr>
+        <p:txBody>
+          <a:bodyPr/>
+          <a:lstStyle/>
+          <a:p>
+            <a:pPr marL="442800" lvl="1" indent="0">
+              <a:buNone/>
+            </a:pPr>
+            <a:r>
+              <a:rPr lang="nl-BE" dirty="0"/>
+              <a:t>Details</a:t>
+            </a:r>
+          </a:p>
+          <a:p>
+            <a:pPr marL="442800" lvl="1" indent="0">
+              <a:buNone/>
+            </a:pPr>
+            <a:r>
+              <a:rPr lang="nl-BE" dirty="0"/>
+              <a:t>https://</a:t>
+            </a:r>
+            <a:r>
+              <a:rPr lang="nl-BE" dirty="0" smtClean="0"/>
+              <a:t>github.com/cegeka/batchers/tree/master/taxcalculator-blog/article7-performance-testing</a:t>
+            </a:r>
+            <a:endParaRPr lang="nl-BE" dirty="0"/>
+          </a:p>
+        </p:txBody>
+      </p:sp>
+      <p:sp>
+        <p:nvSpPr>
+          <p:cNvPr id="3" name="Slide Number Placeholder 2"/>
+          <p:cNvSpPr>
+            <a:spLocks noGrp="1"/>
+          </p:cNvSpPr>
+          <p:nvPr>
+            <p:ph type="sldNum" sz="quarter" idx="10"/>
+          </p:nvPr>
+        </p:nvSpPr>
+        <p:spPr/>
+        <p:txBody>
+          <a:bodyPr/>
+          <a:lstStyle/>
+          <a:p>
+            <a:fld id="{5E0F93BF-EBD3-4B06-8E1B-4FC57A963B17}" type="slidenum">
+              <a:rPr lang="en-US" smtClean="0"/>
+              <a:pPr/>
+              <a:t>12</a:t>
+            </a:fld>
+            <a:endParaRPr lang="en-US" dirty="0"/>
+          </a:p>
+        </p:txBody>
+      </p:sp>
+      <p:sp>
+        <p:nvSpPr>
+          <p:cNvPr id="4" name="Title 3"/>
+          <p:cNvSpPr>
+            <a:spLocks noGrp="1"/>
+          </p:cNvSpPr>
+          <p:nvPr>
+            <p:ph type="title"/>
+          </p:nvPr>
+        </p:nvSpPr>
+        <p:spPr/>
+        <p:txBody>
+          <a:bodyPr/>
+          <a:lstStyle/>
+          <a:p>
+            <a:r>
+              <a:rPr lang="nl-BE" dirty="0" smtClean="0"/>
+              <a:t>Performance tests</a:t>
+            </a:r>
+            <a:endParaRPr lang="en-US" dirty="0"/>
+          </a:p>
+        </p:txBody>
+      </p:sp>
+      <p:graphicFrame>
+        <p:nvGraphicFramePr>
+          <p:cNvPr id="8" name="Table 7"/>
+          <p:cNvGraphicFramePr>
+            <a:graphicFrameLocks noGrp="1"/>
+          </p:cNvGraphicFramePr>
+          <p:nvPr>
+            <p:extLst>
+              <p:ext uri="{D42A27DB-BD31-4B8C-83A1-F6EECF244321}">
+                <p14:modId xmlns:p14="http://schemas.microsoft.com/office/powerpoint/2010/main" val="3161443986"/>
+              </p:ext>
+            </p:extLst>
+          </p:nvPr>
+        </p:nvGraphicFramePr>
+        <p:xfrm>
+          <a:off x="538986" y="1613747"/>
+          <a:ext cx="8101012" cy="2713340"/>
+        </p:xfrm>
+        <a:graphic>
+          <a:graphicData uri="http://schemas.openxmlformats.org/drawingml/2006/table">
+            <a:tbl>
+              <a:tblPr/>
+              <a:tblGrid>
+                <a:gridCol w="4050506"/>
+                <a:gridCol w="4050506"/>
+              </a:tblGrid>
+              <a:tr h="385223">
+                <a:tc>
+                  <a:txBody>
+                    <a:bodyPr/>
+                    <a:lstStyle/>
+                    <a:p>
+                      <a:r>
+                        <a:rPr lang="en-US" sz="1800" b="1" dirty="0">
+                          <a:effectLst/>
+                        </a:rPr>
+                        <a:t>Scenario</a:t>
+                      </a:r>
+                    </a:p>
+                  </a:txBody>
+                  <a:tcPr marL="122743" marR="122743" marT="56650" marB="56650" anchor="ctr">
+                    <a:lnL w="9525" cap="flat" cmpd="sng" algn="ctr">
+                      <a:solidFill>
+                        <a:srgbClr val="DDDDDD"/>
+                      </a:solidFill>
+                      <a:prstDash val="solid"/>
+                      <a:round/>
+                      <a:headEnd type="none" w="med" len="med"/>
+                      <a:tailEnd type="none" w="med" len="med"/>
+                    </a:lnL>
+                    <a:lnR w="9525" cap="flat" cmpd="sng" algn="ctr">
+                      <a:solidFill>
+                        <a:srgbClr val="DDDDDD"/>
+                      </a:solidFill>
+                      <a:prstDash val="solid"/>
+                      <a:round/>
+                      <a:headEnd type="none" w="med" len="med"/>
+                      <a:tailEnd type="none" w="med" len="med"/>
+                    </a:lnR>
+                    <a:lnT w="9525" cap="flat" cmpd="sng" algn="ctr">
+                      <a:solidFill>
+                        <a:srgbClr val="DDDDDD"/>
+                      </a:solidFill>
+                      <a:prstDash val="solid"/>
+                      <a:round/>
+                      <a:headEnd type="none" w="med" len="med"/>
+                      <a:tailEnd type="none" w="med" len="med"/>
+                    </a:lnT>
+                    <a:lnB w="9525" cap="flat" cmpd="sng" algn="ctr">
+                      <a:solidFill>
+                        <a:srgbClr val="DDDDDD"/>
+                      </a:solidFill>
+                      <a:prstDash val="solid"/>
+                      <a:round/>
+                      <a:headEnd type="none" w="med" len="med"/>
+                      <a:tailEnd type="none" w="med" len="med"/>
+                    </a:lnB>
+                    <a:solidFill>
+                      <a:schemeClr val="bg1">
+                        <a:lumMod val="85000"/>
+                      </a:schemeClr>
+                    </a:solidFill>
+                  </a:tcPr>
+                </a:tc>
+                <a:tc>
+                  <a:txBody>
+                    <a:bodyPr/>
+                    <a:lstStyle/>
+                    <a:p>
+                      <a:pPr algn="r"/>
+                      <a:r>
+                        <a:rPr lang="en-US" sz="1800" b="1" dirty="0">
+                          <a:effectLst/>
+                        </a:rPr>
+                        <a:t>Running time</a:t>
+                      </a:r>
+                    </a:p>
+                  </a:txBody>
+                  <a:tcPr marL="122743" marR="122743" marT="56650" marB="56650" anchor="ctr">
+                    <a:lnL w="9525" cap="flat" cmpd="sng" algn="ctr">
+                      <a:solidFill>
+                        <a:srgbClr val="DDDDDD"/>
+                      </a:solidFill>
+                      <a:prstDash val="solid"/>
+                      <a:round/>
+                      <a:headEnd type="none" w="med" len="med"/>
+                      <a:tailEnd type="none" w="med" len="med"/>
+                    </a:lnL>
+                    <a:lnR w="9525" cap="flat" cmpd="sng" algn="ctr">
+                      <a:solidFill>
+                        <a:srgbClr val="DDDDDD"/>
+                      </a:solidFill>
+                      <a:prstDash val="solid"/>
+                      <a:round/>
+                      <a:headEnd type="none" w="med" len="med"/>
+                      <a:tailEnd type="none" w="med" len="med"/>
+                    </a:lnR>
+                    <a:lnT w="9525" cap="flat" cmpd="sng" algn="ctr">
+                      <a:solidFill>
+                        <a:srgbClr val="DDDDDD"/>
+                      </a:solidFill>
+                      <a:prstDash val="solid"/>
+                      <a:round/>
+                      <a:headEnd type="none" w="med" len="med"/>
+                      <a:tailEnd type="none" w="med" len="med"/>
+                    </a:lnT>
+                    <a:lnB w="9525" cap="flat" cmpd="sng" algn="ctr">
+                      <a:solidFill>
+                        <a:srgbClr val="DDDDDD"/>
+                      </a:solidFill>
+                      <a:prstDash val="solid"/>
+                      <a:round/>
+                      <a:headEnd type="none" w="med" len="med"/>
+                      <a:tailEnd type="none" w="med" len="med"/>
+                    </a:lnB>
+                    <a:solidFill>
+                      <a:schemeClr val="bg1">
+                        <a:lumMod val="85000"/>
+                      </a:schemeClr>
+                    </a:solidFill>
+                  </a:tcPr>
+                </a:tc>
+              </a:tr>
+              <a:tr h="385223">
+                <a:tc>
+                  <a:txBody>
+                    <a:bodyPr/>
+                    <a:lstStyle/>
+                    <a:p>
+                      <a:r>
+                        <a:rPr lang="en-US" sz="1800" dirty="0">
+                          <a:effectLst/>
+                        </a:rPr>
+                        <a:t>Single JVM single threaded</a:t>
+                      </a:r>
+                    </a:p>
+                  </a:txBody>
+                  <a:tcPr marL="122743" marR="122743" marT="56650" marB="56650" anchor="ctr">
+                    <a:lnL w="9525" cap="flat" cmpd="sng" algn="ctr">
+                      <a:solidFill>
+                        <a:srgbClr val="DDDDDD"/>
+                      </a:solidFill>
+                      <a:prstDash val="solid"/>
+                      <a:round/>
+                      <a:headEnd type="none" w="med" len="med"/>
+                      <a:tailEnd type="none" w="med" len="med"/>
+                    </a:lnL>
+                    <a:lnR w="9525" cap="flat" cmpd="sng" algn="ctr">
+                      <a:solidFill>
+                        <a:srgbClr val="DDDDDD"/>
+                      </a:solidFill>
+                      <a:prstDash val="solid"/>
+                      <a:round/>
+                      <a:headEnd type="none" w="med" len="med"/>
+                      <a:tailEnd type="none" w="med" len="med"/>
+                    </a:lnR>
+                    <a:lnT w="9525" cap="flat" cmpd="sng" algn="ctr">
+                      <a:solidFill>
+                        <a:srgbClr val="DDDDDD"/>
+                      </a:solidFill>
+                      <a:prstDash val="solid"/>
+                      <a:round/>
+                      <a:headEnd type="none" w="med" len="med"/>
+                      <a:tailEnd type="none" w="med" len="med"/>
+                    </a:lnT>
+                    <a:lnB w="9525" cap="flat" cmpd="sng" algn="ctr">
+                      <a:solidFill>
+                        <a:srgbClr val="DDDDDD"/>
+                      </a:solidFill>
+                      <a:prstDash val="solid"/>
+                      <a:round/>
+                      <a:headEnd type="none" w="med" len="med"/>
+                      <a:tailEnd type="none" w="med" len="med"/>
+                    </a:lnB>
+                    <a:solidFill>
+                      <a:srgbClr val="FFFFFF"/>
+                    </a:solidFill>
+                  </a:tcPr>
+                </a:tc>
+                <a:tc>
+                  <a:txBody>
+                    <a:bodyPr/>
+                    <a:lstStyle/>
+                    <a:p>
+                      <a:pPr algn="r"/>
+                      <a:r>
+                        <a:rPr lang="en-US" sz="1800">
+                          <a:effectLst/>
+                        </a:rPr>
+                        <a:t>18:00</a:t>
+                      </a:r>
+                    </a:p>
+                  </a:txBody>
+                  <a:tcPr marL="122743" marR="122743" marT="56650" marB="56650" anchor="ctr">
+                    <a:lnL w="9525" cap="flat" cmpd="sng" algn="ctr">
+                      <a:solidFill>
+                        <a:srgbClr val="DDDDDD"/>
+                      </a:solidFill>
+                      <a:prstDash val="solid"/>
+                      <a:round/>
+                      <a:headEnd type="none" w="med" len="med"/>
+                      <a:tailEnd type="none" w="med" len="med"/>
+                    </a:lnL>
+                    <a:lnR w="9525" cap="flat" cmpd="sng" algn="ctr">
+                      <a:solidFill>
+                        <a:srgbClr val="DDDDDD"/>
+                      </a:solidFill>
+                      <a:prstDash val="solid"/>
+                      <a:round/>
+                      <a:headEnd type="none" w="med" len="med"/>
+                      <a:tailEnd type="none" w="med" len="med"/>
+                    </a:lnR>
+                    <a:lnT w="9525" cap="flat" cmpd="sng" algn="ctr">
+                      <a:solidFill>
+                        <a:srgbClr val="DDDDDD"/>
+                      </a:solidFill>
+                      <a:prstDash val="solid"/>
+                      <a:round/>
+                      <a:headEnd type="none" w="med" len="med"/>
+                      <a:tailEnd type="none" w="med" len="med"/>
+                    </a:lnT>
+                    <a:lnB w="9525" cap="flat" cmpd="sng" algn="ctr">
+                      <a:solidFill>
+                        <a:srgbClr val="DDDDDD"/>
+                      </a:solidFill>
+                      <a:prstDash val="solid"/>
+                      <a:round/>
+                      <a:headEnd type="none" w="med" len="med"/>
+                      <a:tailEnd type="none" w="med" len="med"/>
+                    </a:lnB>
+                    <a:solidFill>
+                      <a:srgbClr val="FFFFFF"/>
+                    </a:solidFill>
+                  </a:tcPr>
+                </a:tc>
+              </a:tr>
+              <a:tr h="385223">
+                <a:tc>
+                  <a:txBody>
+                    <a:bodyPr/>
+                    <a:lstStyle/>
+                    <a:p>
+                      <a:r>
+                        <a:rPr lang="en-US" sz="1800" dirty="0">
+                          <a:effectLst/>
+                        </a:rPr>
+                        <a:t>Single JVM, multi threaded</a:t>
+                      </a:r>
+                    </a:p>
+                  </a:txBody>
+                  <a:tcPr marL="122743" marR="122743" marT="56650" marB="56650" anchor="ctr">
+                    <a:lnL w="9525" cap="flat" cmpd="sng" algn="ctr">
+                      <a:solidFill>
+                        <a:srgbClr val="DDDDDD"/>
+                      </a:solidFill>
+                      <a:prstDash val="solid"/>
+                      <a:round/>
+                      <a:headEnd type="none" w="med" len="med"/>
+                      <a:tailEnd type="none" w="med" len="med"/>
+                    </a:lnL>
+                    <a:lnR w="9525" cap="flat" cmpd="sng" algn="ctr">
+                      <a:solidFill>
+                        <a:srgbClr val="DDDDDD"/>
+                      </a:solidFill>
+                      <a:prstDash val="solid"/>
+                      <a:round/>
+                      <a:headEnd type="none" w="med" len="med"/>
+                      <a:tailEnd type="none" w="med" len="med"/>
+                    </a:lnR>
+                    <a:lnT w="9525" cap="flat" cmpd="sng" algn="ctr">
+                      <a:solidFill>
+                        <a:srgbClr val="DDDDDD"/>
+                      </a:solidFill>
+                      <a:prstDash val="solid"/>
+                      <a:round/>
+                      <a:headEnd type="none" w="med" len="med"/>
+                      <a:tailEnd type="none" w="med" len="med"/>
+                    </a:lnT>
+                    <a:lnB w="9525" cap="flat" cmpd="sng" algn="ctr">
+                      <a:solidFill>
+                        <a:srgbClr val="DDDDDD"/>
+                      </a:solidFill>
+                      <a:prstDash val="solid"/>
+                      <a:round/>
+                      <a:headEnd type="none" w="med" len="med"/>
+                      <a:tailEnd type="none" w="med" len="med"/>
+                    </a:lnB>
+                    <a:solidFill>
+                      <a:schemeClr val="bg1">
+                        <a:lumMod val="95000"/>
+                      </a:schemeClr>
+                    </a:solidFill>
+                  </a:tcPr>
+                </a:tc>
+                <a:tc>
+                  <a:txBody>
+                    <a:bodyPr/>
+                    <a:lstStyle/>
+                    <a:p>
+                      <a:pPr algn="r"/>
+                      <a:r>
+                        <a:rPr lang="en-US" sz="1800" dirty="0">
+                          <a:effectLst/>
+                        </a:rPr>
+                        <a:t>5:00</a:t>
+                      </a:r>
+                    </a:p>
+                  </a:txBody>
+                  <a:tcPr marL="122743" marR="122743" marT="56650" marB="56650" anchor="ctr">
+                    <a:lnL w="9525" cap="flat" cmpd="sng" algn="ctr">
+                      <a:solidFill>
+                        <a:srgbClr val="DDDDDD"/>
+                      </a:solidFill>
+                      <a:prstDash val="solid"/>
+                      <a:round/>
+                      <a:headEnd type="none" w="med" len="med"/>
+                      <a:tailEnd type="none" w="med" len="med"/>
+                    </a:lnL>
+                    <a:lnR w="9525" cap="flat" cmpd="sng" algn="ctr">
+                      <a:solidFill>
+                        <a:srgbClr val="DDDDDD"/>
+                      </a:solidFill>
+                      <a:prstDash val="solid"/>
+                      <a:round/>
+                      <a:headEnd type="none" w="med" len="med"/>
+                      <a:tailEnd type="none" w="med" len="med"/>
+                    </a:lnR>
+                    <a:lnT w="9525" cap="flat" cmpd="sng" algn="ctr">
+                      <a:solidFill>
+                        <a:srgbClr val="DDDDDD"/>
+                      </a:solidFill>
+                      <a:prstDash val="solid"/>
+                      <a:round/>
+                      <a:headEnd type="none" w="med" len="med"/>
+                      <a:tailEnd type="none" w="med" len="med"/>
+                    </a:lnT>
+                    <a:lnB w="9525" cap="flat" cmpd="sng" algn="ctr">
+                      <a:solidFill>
+                        <a:srgbClr val="DDDDDD"/>
+                      </a:solidFill>
+                      <a:prstDash val="solid"/>
+                      <a:round/>
+                      <a:headEnd type="none" w="med" len="med"/>
+                      <a:tailEnd type="none" w="med" len="med"/>
+                    </a:lnB>
+                    <a:solidFill>
+                      <a:schemeClr val="bg1">
+                        <a:lumMod val="95000"/>
+                      </a:schemeClr>
+                    </a:solidFill>
+                  </a:tcPr>
+                </a:tc>
+              </a:tr>
+              <a:tr h="385223">
+                <a:tc>
+                  <a:txBody>
+                    <a:bodyPr/>
+                    <a:lstStyle/>
+                    <a:p>
+                      <a:r>
+                        <a:rPr lang="en-GB" sz="1800" dirty="0">
+                          <a:effectLst/>
+                        </a:rPr>
+                        <a:t>Multi </a:t>
+                      </a:r>
+                      <a:r>
+                        <a:rPr lang="en-GB" sz="1800" dirty="0" smtClean="0">
+                          <a:effectLst/>
+                        </a:rPr>
+                        <a:t>JVM - </a:t>
+                      </a:r>
+                      <a:r>
+                        <a:rPr lang="en-GB" sz="1800" dirty="0" smtClean="0">
+                          <a:effectLst/>
+                        </a:rPr>
+                        <a:t>2 slaves</a:t>
+                      </a:r>
+                      <a:r>
+                        <a:rPr lang="en-GB" sz="1800" dirty="0" smtClean="0">
+                          <a:effectLst/>
+                        </a:rPr>
+                        <a:t>, </a:t>
+                      </a:r>
+                      <a:r>
+                        <a:rPr lang="en-GB" sz="1800" dirty="0">
+                          <a:effectLst/>
+                        </a:rPr>
+                        <a:t>single </a:t>
+                      </a:r>
+                      <a:r>
+                        <a:rPr lang="en-GB" sz="1800" dirty="0" smtClean="0">
+                          <a:effectLst/>
+                        </a:rPr>
+                        <a:t>threaded</a:t>
+                      </a:r>
+                      <a:endParaRPr lang="en-GB" sz="1800" dirty="0">
+                        <a:effectLst/>
+                      </a:endParaRPr>
+                    </a:p>
+                  </a:txBody>
+                  <a:tcPr marL="122743" marR="122743" marT="56650" marB="56650" anchor="ctr">
+                    <a:lnL w="9525" cap="flat" cmpd="sng" algn="ctr">
+                      <a:solidFill>
+                        <a:srgbClr val="DDDDDD"/>
+                      </a:solidFill>
+                      <a:prstDash val="solid"/>
+                      <a:round/>
+                      <a:headEnd type="none" w="med" len="med"/>
+                      <a:tailEnd type="none" w="med" len="med"/>
+                    </a:lnL>
+                    <a:lnR w="9525" cap="flat" cmpd="sng" algn="ctr">
+                      <a:solidFill>
+                        <a:srgbClr val="DDDDDD"/>
+                      </a:solidFill>
+                      <a:prstDash val="solid"/>
+                      <a:round/>
+                      <a:headEnd type="none" w="med" len="med"/>
+                      <a:tailEnd type="none" w="med" len="med"/>
+                    </a:lnR>
+                    <a:lnT w="9525" cap="flat" cmpd="sng" algn="ctr">
+                      <a:solidFill>
+                        <a:srgbClr val="DDDDDD"/>
+                      </a:solidFill>
+                      <a:prstDash val="solid"/>
+                      <a:round/>
+                      <a:headEnd type="none" w="med" len="med"/>
+                      <a:tailEnd type="none" w="med" len="med"/>
+                    </a:lnT>
+                    <a:lnB w="9525" cap="flat" cmpd="sng" algn="ctr">
+                      <a:solidFill>
+                        <a:srgbClr val="DDDDDD"/>
+                      </a:solidFill>
+                      <a:prstDash val="solid"/>
+                      <a:round/>
+                      <a:headEnd type="none" w="med" len="med"/>
+                      <a:tailEnd type="none" w="med" len="med"/>
+                    </a:lnB>
+                    <a:solidFill>
+                      <a:srgbClr val="FFFFFF"/>
+                    </a:solidFill>
+                  </a:tcPr>
+                </a:tc>
+                <a:tc>
+                  <a:txBody>
+                    <a:bodyPr/>
+                    <a:lstStyle/>
+                    <a:p>
+                      <a:pPr algn="r"/>
+                      <a:r>
+                        <a:rPr lang="en-US" sz="1800">
+                          <a:effectLst/>
+                        </a:rPr>
+                        <a:t>10:00</a:t>
+                      </a:r>
+                    </a:p>
+                  </a:txBody>
+                  <a:tcPr marL="122743" marR="122743" marT="56650" marB="56650" anchor="ctr">
+                    <a:lnL w="9525" cap="flat" cmpd="sng" algn="ctr">
+                      <a:solidFill>
+                        <a:srgbClr val="DDDDDD"/>
+                      </a:solidFill>
+                      <a:prstDash val="solid"/>
+                      <a:round/>
+                      <a:headEnd type="none" w="med" len="med"/>
+                      <a:tailEnd type="none" w="med" len="med"/>
+                    </a:lnL>
+                    <a:lnR w="9525" cap="flat" cmpd="sng" algn="ctr">
+                      <a:solidFill>
+                        <a:srgbClr val="DDDDDD"/>
+                      </a:solidFill>
+                      <a:prstDash val="solid"/>
+                      <a:round/>
+                      <a:headEnd type="none" w="med" len="med"/>
+                      <a:tailEnd type="none" w="med" len="med"/>
+                    </a:lnR>
+                    <a:lnT w="9525" cap="flat" cmpd="sng" algn="ctr">
+                      <a:solidFill>
+                        <a:srgbClr val="DDDDDD"/>
+                      </a:solidFill>
+                      <a:prstDash val="solid"/>
+                      <a:round/>
+                      <a:headEnd type="none" w="med" len="med"/>
+                      <a:tailEnd type="none" w="med" len="med"/>
+                    </a:lnT>
+                    <a:lnB w="9525" cap="flat" cmpd="sng" algn="ctr">
+                      <a:solidFill>
+                        <a:srgbClr val="DDDDDD"/>
+                      </a:solidFill>
+                      <a:prstDash val="solid"/>
+                      <a:round/>
+                      <a:headEnd type="none" w="med" len="med"/>
+                      <a:tailEnd type="none" w="med" len="med"/>
+                    </a:lnB>
+                    <a:solidFill>
+                      <a:srgbClr val="FFFFFF"/>
+                    </a:solidFill>
+                  </a:tcPr>
+                </a:tc>
+              </a:tr>
+              <a:tr h="385223">
+                <a:tc>
+                  <a:txBody>
+                    <a:bodyPr/>
+                    <a:lstStyle/>
+                    <a:p>
+                      <a:r>
+                        <a:rPr lang="en-GB" sz="1800" dirty="0">
+                          <a:effectLst/>
+                        </a:rPr>
+                        <a:t>Multi </a:t>
+                      </a:r>
+                      <a:r>
+                        <a:rPr lang="en-GB" sz="1800" dirty="0" smtClean="0">
+                          <a:effectLst/>
+                        </a:rPr>
+                        <a:t>JVM – 4</a:t>
+                      </a:r>
+                      <a:r>
+                        <a:rPr lang="en-GB" sz="1800" baseline="0" dirty="0" smtClean="0">
+                          <a:effectLst/>
+                        </a:rPr>
+                        <a:t> slaves</a:t>
+                      </a:r>
+                      <a:r>
+                        <a:rPr lang="en-GB" sz="1800" dirty="0" smtClean="0">
+                          <a:effectLst/>
+                        </a:rPr>
+                        <a:t>, </a:t>
+                      </a:r>
+                      <a:r>
+                        <a:rPr lang="en-GB" sz="1800" dirty="0">
+                          <a:effectLst/>
+                        </a:rPr>
+                        <a:t>single </a:t>
+                      </a:r>
+                      <a:r>
+                        <a:rPr lang="en-GB" sz="1800" dirty="0" smtClean="0">
+                          <a:effectLst/>
+                        </a:rPr>
+                        <a:t>threaded</a:t>
+                      </a:r>
+                      <a:endParaRPr lang="en-GB" sz="1800" dirty="0">
+                        <a:effectLst/>
+                      </a:endParaRPr>
+                    </a:p>
+                  </a:txBody>
+                  <a:tcPr marL="122743" marR="122743" marT="56650" marB="56650" anchor="ctr">
+                    <a:lnL w="9525" cap="flat" cmpd="sng" algn="ctr">
+                      <a:solidFill>
+                        <a:srgbClr val="DDDDDD"/>
+                      </a:solidFill>
+                      <a:prstDash val="solid"/>
+                      <a:round/>
+                      <a:headEnd type="none" w="med" len="med"/>
+                      <a:tailEnd type="none" w="med" len="med"/>
+                    </a:lnL>
+                    <a:lnR w="9525" cap="flat" cmpd="sng" algn="ctr">
+                      <a:solidFill>
+                        <a:srgbClr val="DDDDDD"/>
+                      </a:solidFill>
+                      <a:prstDash val="solid"/>
+                      <a:round/>
+                      <a:headEnd type="none" w="med" len="med"/>
+                      <a:tailEnd type="none" w="med" len="med"/>
+                    </a:lnR>
+                    <a:lnT w="9525" cap="flat" cmpd="sng" algn="ctr">
+                      <a:solidFill>
+                        <a:srgbClr val="DDDDDD"/>
+                      </a:solidFill>
+                      <a:prstDash val="solid"/>
+                      <a:round/>
+                      <a:headEnd type="none" w="med" len="med"/>
+                      <a:tailEnd type="none" w="med" len="med"/>
+                    </a:lnT>
+                    <a:lnB w="9525" cap="flat" cmpd="sng" algn="ctr">
+                      <a:solidFill>
+                        <a:srgbClr val="DDDDDD"/>
+                      </a:solidFill>
+                      <a:prstDash val="solid"/>
+                      <a:round/>
+                      <a:headEnd type="none" w="med" len="med"/>
+                      <a:tailEnd type="none" w="med" len="med"/>
+                    </a:lnB>
+                    <a:solidFill>
+                      <a:schemeClr val="bg1">
+                        <a:lumMod val="95000"/>
+                      </a:schemeClr>
+                    </a:solidFill>
+                  </a:tcPr>
+                </a:tc>
+                <a:tc>
+                  <a:txBody>
+                    <a:bodyPr/>
+                    <a:lstStyle/>
+                    <a:p>
+                      <a:pPr algn="r"/>
+                      <a:r>
+                        <a:rPr lang="en-US" sz="1800" dirty="0">
+                          <a:effectLst/>
+                        </a:rPr>
+                        <a:t>5:30</a:t>
+                      </a:r>
+                    </a:p>
+                  </a:txBody>
+                  <a:tcPr marL="122743" marR="122743" marT="56650" marB="56650" anchor="ctr">
+                    <a:lnL w="9525" cap="flat" cmpd="sng" algn="ctr">
+                      <a:solidFill>
+                        <a:srgbClr val="DDDDDD"/>
+                      </a:solidFill>
+                      <a:prstDash val="solid"/>
+                      <a:round/>
+                      <a:headEnd type="none" w="med" len="med"/>
+                      <a:tailEnd type="none" w="med" len="med"/>
+                    </a:lnL>
+                    <a:lnR w="9525" cap="flat" cmpd="sng" algn="ctr">
+                      <a:solidFill>
+                        <a:srgbClr val="DDDDDD"/>
+                      </a:solidFill>
+                      <a:prstDash val="solid"/>
+                      <a:round/>
+                      <a:headEnd type="none" w="med" len="med"/>
+                      <a:tailEnd type="none" w="med" len="med"/>
+                    </a:lnR>
+                    <a:lnT w="9525" cap="flat" cmpd="sng" algn="ctr">
+                      <a:solidFill>
+                        <a:srgbClr val="DDDDDD"/>
+                      </a:solidFill>
+                      <a:prstDash val="solid"/>
+                      <a:round/>
+                      <a:headEnd type="none" w="med" len="med"/>
+                      <a:tailEnd type="none" w="med" len="med"/>
+                    </a:lnT>
+                    <a:lnB w="9525" cap="flat" cmpd="sng" algn="ctr">
+                      <a:solidFill>
+                        <a:srgbClr val="DDDDDD"/>
+                      </a:solidFill>
+                      <a:prstDash val="solid"/>
+                      <a:round/>
+                      <a:headEnd type="none" w="med" len="med"/>
+                      <a:tailEnd type="none" w="med" len="med"/>
+                    </a:lnB>
+                    <a:solidFill>
+                      <a:schemeClr val="bg1">
+                        <a:lumMod val="95000"/>
+                      </a:schemeClr>
+                    </a:solidFill>
+                  </a:tcPr>
+                </a:tc>
+              </a:tr>
+              <a:tr h="385223">
+                <a:tc>
+                  <a:txBody>
+                    <a:bodyPr/>
+                    <a:lstStyle/>
+                    <a:p>
+                      <a:r>
+                        <a:rPr lang="en-GB" sz="1800" dirty="0">
+                          <a:effectLst/>
+                        </a:rPr>
+                        <a:t>Multi </a:t>
+                      </a:r>
+                      <a:r>
+                        <a:rPr lang="en-GB" sz="1800" dirty="0" smtClean="0">
+                          <a:effectLst/>
+                        </a:rPr>
+                        <a:t>JVM – 2</a:t>
+                      </a:r>
+                      <a:r>
+                        <a:rPr lang="en-GB" sz="1800" baseline="0" dirty="0" smtClean="0">
+                          <a:effectLst/>
+                        </a:rPr>
+                        <a:t> slaves</a:t>
+                      </a:r>
+                      <a:r>
+                        <a:rPr lang="en-GB" sz="1800" dirty="0" smtClean="0">
+                          <a:effectLst/>
+                        </a:rPr>
+                        <a:t>, </a:t>
+                      </a:r>
+                      <a:r>
+                        <a:rPr lang="en-GB" sz="1800" dirty="0">
+                          <a:effectLst/>
+                        </a:rPr>
+                        <a:t>multi </a:t>
+                      </a:r>
+                      <a:r>
+                        <a:rPr lang="en-GB" sz="1800" dirty="0" smtClean="0">
+                          <a:effectLst/>
+                        </a:rPr>
+                        <a:t>threaded</a:t>
+                      </a:r>
+                      <a:endParaRPr lang="en-GB" sz="1800" dirty="0">
+                        <a:effectLst/>
+                      </a:endParaRPr>
+                    </a:p>
+                  </a:txBody>
+                  <a:tcPr marL="122743" marR="122743" marT="56650" marB="56650" anchor="ctr">
+                    <a:lnL w="9525" cap="flat" cmpd="sng" algn="ctr">
+                      <a:solidFill>
+                        <a:srgbClr val="DDDDDD"/>
+                      </a:solidFill>
+                      <a:prstDash val="solid"/>
+                      <a:round/>
+                      <a:headEnd type="none" w="med" len="med"/>
+                      <a:tailEnd type="none" w="med" len="med"/>
+                    </a:lnL>
+                    <a:lnR w="9525" cap="flat" cmpd="sng" algn="ctr">
+                      <a:solidFill>
+                        <a:srgbClr val="DDDDDD"/>
+                      </a:solidFill>
+                      <a:prstDash val="solid"/>
+                      <a:round/>
+                      <a:headEnd type="none" w="med" len="med"/>
+                      <a:tailEnd type="none" w="med" len="med"/>
+                    </a:lnR>
+                    <a:lnT w="9525" cap="flat" cmpd="sng" algn="ctr">
+                      <a:solidFill>
+                        <a:srgbClr val="DDDDDD"/>
+                      </a:solidFill>
+                      <a:prstDash val="solid"/>
+                      <a:round/>
+                      <a:headEnd type="none" w="med" len="med"/>
+                      <a:tailEnd type="none" w="med" len="med"/>
+                    </a:lnT>
+                    <a:lnB w="9525" cap="flat" cmpd="sng" algn="ctr">
+                      <a:solidFill>
+                        <a:srgbClr val="DDDDDD"/>
+                      </a:solidFill>
+                      <a:prstDash val="solid"/>
+                      <a:round/>
+                      <a:headEnd type="none" w="med" len="med"/>
+                      <a:tailEnd type="none" w="med" len="med"/>
+                    </a:lnB>
+                    <a:solidFill>
+                      <a:srgbClr val="FFFFFF"/>
+                    </a:solidFill>
+                  </a:tcPr>
+                </a:tc>
+                <a:tc>
+                  <a:txBody>
+                    <a:bodyPr/>
+                    <a:lstStyle/>
+                    <a:p>
+                      <a:pPr algn="r"/>
+                      <a:r>
+                        <a:rPr lang="en-US" sz="1800" dirty="0">
+                          <a:effectLst/>
+                        </a:rPr>
+                        <a:t>3:00</a:t>
+                      </a:r>
+                    </a:p>
+                  </a:txBody>
+                  <a:tcPr marL="122743" marR="122743" marT="56650" marB="56650" anchor="ctr">
+                    <a:lnL w="9525" cap="flat" cmpd="sng" algn="ctr">
+                      <a:solidFill>
+                        <a:srgbClr val="DDDDDD"/>
+                      </a:solidFill>
+                      <a:prstDash val="solid"/>
+                      <a:round/>
+                      <a:headEnd type="none" w="med" len="med"/>
+                      <a:tailEnd type="none" w="med" len="med"/>
+                    </a:lnL>
+                    <a:lnR w="9525" cap="flat" cmpd="sng" algn="ctr">
+                      <a:solidFill>
+                        <a:srgbClr val="DDDDDD"/>
+                      </a:solidFill>
+                      <a:prstDash val="solid"/>
+                      <a:round/>
+                      <a:headEnd type="none" w="med" len="med"/>
+                      <a:tailEnd type="none" w="med" len="med"/>
+                    </a:lnR>
+                    <a:lnT w="9525" cap="flat" cmpd="sng" algn="ctr">
+                      <a:solidFill>
+                        <a:srgbClr val="DDDDDD"/>
+                      </a:solidFill>
+                      <a:prstDash val="solid"/>
+                      <a:round/>
+                      <a:headEnd type="none" w="med" len="med"/>
+                      <a:tailEnd type="none" w="med" len="med"/>
+                    </a:lnT>
+                    <a:lnB w="9525" cap="flat" cmpd="sng" algn="ctr">
+                      <a:solidFill>
+                        <a:srgbClr val="DDDDDD"/>
+                      </a:solidFill>
+                      <a:prstDash val="solid"/>
+                      <a:round/>
+                      <a:headEnd type="none" w="med" len="med"/>
+                      <a:tailEnd type="none" w="med" len="med"/>
+                    </a:lnB>
+                    <a:solidFill>
+                      <a:srgbClr val="FFFFFF"/>
+                    </a:solidFill>
+                  </a:tcPr>
+                </a:tc>
+              </a:tr>
+              <a:tr h="385223">
+                <a:tc>
+                  <a:txBody>
+                    <a:bodyPr/>
+                    <a:lstStyle/>
+                    <a:p>
+                      <a:pPr marL="0" marR="0" indent="0" algn="l" defTabSz="457200" rtl="0" eaLnBrk="1" fontAlgn="auto" latinLnBrk="0" hangingPunct="1">
+                        <a:lnSpc>
+                          <a:spcPct val="100000"/>
+                        </a:lnSpc>
+                        <a:spcBef>
+                          <a:spcPts val="0"/>
+                        </a:spcBef>
+                        <a:spcAft>
+                          <a:spcPts val="0"/>
+                        </a:spcAft>
+                        <a:buClrTx/>
+                        <a:buSzTx/>
+                        <a:buFontTx/>
+                        <a:buNone/>
+                        <a:tabLst/>
+                        <a:defRPr/>
+                      </a:pPr>
+                      <a:r>
+                        <a:rPr lang="en-GB" sz="1800" dirty="0" smtClean="0">
+                          <a:effectLst/>
+                        </a:rPr>
+                        <a:t>Multi JVM - 4 slaves, multi threaded</a:t>
+                      </a:r>
+                    </a:p>
+                  </a:txBody>
+                  <a:tcPr marL="122743" marR="122743" marT="56650" marB="56650" anchor="ctr">
+                    <a:lnL w="9525" cap="flat" cmpd="sng" algn="ctr">
+                      <a:solidFill>
+                        <a:srgbClr val="DDDDDD"/>
+                      </a:solidFill>
+                      <a:prstDash val="solid"/>
+                      <a:round/>
+                      <a:headEnd type="none" w="med" len="med"/>
+                      <a:tailEnd type="none" w="med" len="med"/>
+                    </a:lnL>
+                    <a:lnR w="9525" cap="flat" cmpd="sng" algn="ctr">
+                      <a:solidFill>
+                        <a:srgbClr val="DDDDDD"/>
+                      </a:solidFill>
+                      <a:prstDash val="solid"/>
+                      <a:round/>
+                      <a:headEnd type="none" w="med" len="med"/>
+                      <a:tailEnd type="none" w="med" len="med"/>
+                    </a:lnR>
+                    <a:lnT w="9525" cap="flat" cmpd="sng" algn="ctr">
+                      <a:solidFill>
+                        <a:srgbClr val="DDDDDD"/>
+                      </a:solidFill>
+                      <a:prstDash val="solid"/>
+                      <a:round/>
+                      <a:headEnd type="none" w="med" len="med"/>
+                      <a:tailEnd type="none" w="med" len="med"/>
+                    </a:lnT>
+                    <a:lnB w="9525" cap="flat" cmpd="sng" algn="ctr">
+                      <a:solidFill>
+                        <a:srgbClr val="DDDDDD"/>
+                      </a:solidFill>
+                      <a:prstDash val="solid"/>
+                      <a:round/>
+                      <a:headEnd type="none" w="med" len="med"/>
+                      <a:tailEnd type="none" w="med" len="med"/>
+                    </a:lnB>
+                    <a:solidFill>
+                      <a:schemeClr val="bg1">
+                        <a:lumMod val="95000"/>
+                      </a:schemeClr>
+                    </a:solidFill>
+                  </a:tcPr>
+                </a:tc>
+                <a:tc>
+                  <a:txBody>
+                    <a:bodyPr/>
+                    <a:lstStyle/>
+                    <a:p>
+                      <a:pPr algn="r"/>
+                      <a:r>
+                        <a:rPr lang="nl-BE" sz="1800" dirty="0" smtClean="0">
+                          <a:effectLst/>
+                        </a:rPr>
+                        <a:t>2:05</a:t>
+                      </a:r>
+                      <a:endParaRPr lang="en-US" sz="1800" dirty="0">
+                        <a:effectLst/>
+                      </a:endParaRPr>
+                    </a:p>
+                  </a:txBody>
+                  <a:tcPr marL="122743" marR="122743" marT="56650" marB="56650" anchor="ctr">
+                    <a:lnL w="9525" cap="flat" cmpd="sng" algn="ctr">
+                      <a:solidFill>
+                        <a:srgbClr val="DDDDDD"/>
+                      </a:solidFill>
+                      <a:prstDash val="solid"/>
+                      <a:round/>
+                      <a:headEnd type="none" w="med" len="med"/>
+                      <a:tailEnd type="none" w="med" len="med"/>
+                    </a:lnL>
+                    <a:lnR w="9525" cap="flat" cmpd="sng" algn="ctr">
+                      <a:solidFill>
+                        <a:srgbClr val="DDDDDD"/>
+                      </a:solidFill>
+                      <a:prstDash val="solid"/>
+                      <a:round/>
+                      <a:headEnd type="none" w="med" len="med"/>
+                      <a:tailEnd type="none" w="med" len="med"/>
+                    </a:lnR>
+                    <a:lnT w="9525" cap="flat" cmpd="sng" algn="ctr">
+                      <a:solidFill>
+                        <a:srgbClr val="DDDDDD"/>
+                      </a:solidFill>
+                      <a:prstDash val="solid"/>
+                      <a:round/>
+                      <a:headEnd type="none" w="med" len="med"/>
+                      <a:tailEnd type="none" w="med" len="med"/>
+                    </a:lnT>
+                    <a:lnB w="9525" cap="flat" cmpd="sng" algn="ctr">
+                      <a:solidFill>
+                        <a:srgbClr val="DDDDDD"/>
+                      </a:solidFill>
+                      <a:prstDash val="solid"/>
+                      <a:round/>
+                      <a:headEnd type="none" w="med" len="med"/>
+                      <a:tailEnd type="none" w="med" len="med"/>
+                    </a:lnB>
+                    <a:solidFill>
+                      <a:schemeClr val="bg1">
+                        <a:lumMod val="95000"/>
+                      </a:schemeClr>
+                    </a:solidFill>
+                  </a:tcPr>
+                </a:tc>
+              </a:tr>
+            </a:tbl>
+          </a:graphicData>
+        </a:graphic>
+      </p:graphicFrame>
+    </p:spTree>
+    <p:extLst>
+      <p:ext uri="{BB962C8B-B14F-4D97-AF65-F5344CB8AC3E}">
+        <p14:creationId xmlns:p14="http://schemas.microsoft.com/office/powerpoint/2010/main" val="2127730375"/>
+      </p:ext>
+    </p:extLst>
+  </p:cSld>
+  <p:clrMapOvr>
+    <a:masterClrMapping/>
+  </p:clrMapOvr>
+</p:sld>
+</file>
+
+<file path=ppt/slides/slide13.xml><?xml version="1.0" encoding="utf-8"?>
+<p:sld xmlns:a="http://schemas.openxmlformats.org/drawingml/2006/main" xmlns:r="http://schemas.openxmlformats.org/officeDocument/2006/relationships" xmlns:p="http://schemas.openxmlformats.org/presentationml/2006/main">
+  <p:cSld>
+    <p:spTree>
+      <p:nvGrpSpPr>
+        <p:cNvPr id="1" name=""/>
+        <p:cNvGrpSpPr/>
+        <p:nvPr/>
+      </p:nvGrpSpPr>
+      <p:grpSpPr>
+        <a:xfrm>
+          <a:off x="0" y="0"/>
+          <a:ext cx="0" cy="0"/>
+          <a:chOff x="0" y="0"/>
+          <a:chExt cx="0" cy="0"/>
+        </a:xfrm>
+      </p:grpSpPr>
+      <p:sp>
+        <p:nvSpPr>
+          <p:cNvPr id="2" name="Content Placeholder 1"/>
+          <p:cNvSpPr>
+            <a:spLocks noGrp="1"/>
+          </p:cNvSpPr>
+          <p:nvPr>
+            <p:ph idx="1"/>
+          </p:nvPr>
+        </p:nvSpPr>
         <p:spPr/>
         <p:txBody>
           <a:bodyPr/>
@@ -8558,7 +9635,6 @@
               <a:rPr lang="nl-BE" dirty="0" smtClean="0"/>
               <a:t>!</a:t>
             </a:r>
-            <a:endParaRPr lang="nl-BE" dirty="0" smtClean="0"/>
           </a:p>
           <a:p>
             <a:pPr lvl="1"/>
@@ -8584,7 +9660,7 @@
             <a:fld id="{5E0F93BF-EBD3-4B06-8E1B-4FC57A963B17}" type="slidenum">
               <a:rPr lang="en-US" smtClean="0"/>
               <a:pPr/>
-              <a:t>12</a:t>
+              <a:t>13</a:t>
             </a:fld>
             <a:endParaRPr lang="en-US" dirty="0"/>
           </a:p>
@@ -8626,7 +9702,7 @@
 </p:sld>
 </file>
 
-<file path=ppt/slides/slide13.xml><?xml version="1.0" encoding="utf-8"?>
+<file path=ppt/slides/slide14.xml><?xml version="1.0" encoding="utf-8"?>
 <p:sld xmlns:a="http://schemas.openxmlformats.org/drawingml/2006/main" xmlns:r="http://schemas.openxmlformats.org/officeDocument/2006/relationships" xmlns:p="http://schemas.openxmlformats.org/presentationml/2006/main">
   <p:cSld>
     <p:spTree>
@@ -8716,7 +9792,7 @@
             <a:fld id="{5E0F93BF-EBD3-4B06-8E1B-4FC57A963B17}" type="slidenum">
               <a:rPr lang="en-US" smtClean="0"/>
               <a:pPr/>
-              <a:t>13</a:t>
+              <a:t>14</a:t>
             </a:fld>
             <a:endParaRPr lang="en-US" dirty="0"/>
           </a:p>
@@ -8926,25 +10002,30 @@
               <a:rPr lang="nl-BE" dirty="0" smtClean="0"/>
               <a:t>?</a:t>
             </a:r>
+          </a:p>
+          <a:p>
+            <a:r>
+              <a:rPr lang="nl-BE" dirty="0" smtClean="0"/>
+              <a:t>JSR-352 Architecture</a:t>
+            </a:r>
+          </a:p>
+          <a:p>
+            <a:r>
+              <a:rPr lang="nl-BE" dirty="0" err="1" smtClean="0"/>
+              <a:t>Challenges</a:t>
+            </a:r>
             <a:endParaRPr lang="nl-BE" dirty="0" smtClean="0"/>
           </a:p>
           <a:p>
             <a:r>
               <a:rPr lang="nl-BE" dirty="0" smtClean="0"/>
-              <a:t>JSR-352 Architecture</a:t>
-            </a:r>
-          </a:p>
-          <a:p>
-            <a:r>
-              <a:rPr lang="nl-BE" dirty="0" err="1" smtClean="0"/>
-              <a:t>Challenges</a:t>
-            </a:r>
-            <a:endParaRPr lang="nl-BE" dirty="0" smtClean="0"/>
-          </a:p>
-          <a:p>
-            <a:r>
-              <a:rPr lang="nl-BE" dirty="0" smtClean="0"/>
-              <a:t>Demo</a:t>
+              <a:t>Demo &amp; code!!!!!!!!</a:t>
+            </a:r>
+          </a:p>
+          <a:p>
+            <a:r>
+              <a:rPr lang="nl-BE" dirty="0" smtClean="0"/>
+              <a:t>Performance</a:t>
             </a:r>
             <a:endParaRPr lang="nl-BE" dirty="0" smtClean="0"/>
           </a:p>
@@ -9103,14 +10184,12 @@
               <a:rPr lang="nl-BE" dirty="0" smtClean="0"/>
               <a:t>, VENTOURIS)</a:t>
             </a:r>
-            <a:endParaRPr lang="nl-BE" dirty="0" smtClean="0"/>
           </a:p>
           <a:p>
             <a:r>
               <a:rPr lang="nl-BE" dirty="0" smtClean="0"/>
               <a:t>DIY?</a:t>
             </a:r>
-            <a:endParaRPr lang="nl-BE" dirty="0" smtClean="0"/>
           </a:p>
           <a:p>
             <a:r>
@@ -9521,7 +10600,6 @@
               <a:rPr lang="nl-BE" dirty="0" smtClean="0"/>
               <a:t>:</a:t>
             </a:r>
-            <a:endParaRPr lang="nl-BE" dirty="0" smtClean="0"/>
           </a:p>
           <a:p>
             <a:pPr lvl="1"/>
@@ -10433,7 +11511,6 @@
               <a:rPr lang="en-US" dirty="0"/>
               <a:t>Step</a:t>
             </a:r>
-            <a:endParaRPr lang="en-US" dirty="0"/>
           </a:p>
           <a:p>
             <a:pPr lvl="2"/>
@@ -10445,7 +11522,6 @@
               <a:rPr lang="en-US" dirty="0"/>
               <a:t>commit interval</a:t>
             </a:r>
-            <a:endParaRPr lang="en-US" dirty="0"/>
           </a:p>
           <a:p>
             <a:pPr lvl="3"/>
@@ -10706,7 +11782,6 @@
               <a:rPr lang="en-GB" dirty="0"/>
               <a:t>parallel</a:t>
             </a:r>
-            <a:endParaRPr lang="en-GB" dirty="0"/>
           </a:p>
           <a:p>
             <a:pPr lvl="1" fontAlgn="base"/>
@@ -12095,15 +13170,6 @@
 </file>
 
 <file path=customXml/item2.xml><?xml version="1.0" encoding="utf-8"?>
-<?mso-contentType ?>
-<FormTemplates xmlns="http://schemas.microsoft.com/sharepoint/v3/contenttype/forms">
-  <Display>DocumentLibraryForm</Display>
-  <Edit>DocumentLibraryForm</Edit>
-  <New>DocumentLibraryForm</New>
-</FormTemplates>
-</file>
-
-<file path=customXml/item3.xml><?xml version="1.0" encoding="utf-8"?>
 <ct:contentTypeSchema xmlns:ct="http://schemas.microsoft.com/office/2006/metadata/contentType" xmlns:ma="http://schemas.microsoft.com/office/2006/metadata/properties/metaAttributes" ct:_="" ma:_="" ma:contentTypeName="Document" ma:contentTypeID="0x0101003A54D0EFE9A46F41BE8A224FB7072627" ma:contentTypeVersion="" ma:contentTypeDescription="Create a new document." ma:contentTypeScope="" ma:versionID="0509aa7fca4740d90ec6996d12028097">
   <xsd:schema xmlns:xsd="http://www.w3.org/2001/XMLSchema" xmlns:xs="http://www.w3.org/2001/XMLSchema" xmlns:p="http://schemas.microsoft.com/office/2006/metadata/properties" targetNamespace="http://schemas.microsoft.com/office/2006/metadata/properties" ma:root="true" ma:fieldsID="b2384c6cc0088fcedbaf6edaf557defa">
     <xsd:element name="properties">
@@ -12217,6 +13283,15 @@
 </ct:contentTypeSchema>
 </file>
 
+<file path=customXml/item3.xml><?xml version="1.0" encoding="utf-8"?>
+<?mso-contentType ?>
+<FormTemplates xmlns="http://schemas.microsoft.com/sharepoint/v3/contenttype/forms">
+  <Display>DocumentLibraryForm</Display>
+  <Edit>DocumentLibraryForm</Edit>
+  <New>DocumentLibraryForm</New>
+</FormTemplates>
+</file>
+
 <file path=customXml/itemProps1.xml><?xml version="1.0" encoding="utf-8"?>
 <ds:datastoreItem xmlns:ds="http://schemas.openxmlformats.org/officeDocument/2006/customXml" ds:itemID="{6FE21618-11FC-4293-A54C-16419059E060}">
   <ds:schemaRefs>
@@ -12233,14 +13308,6 @@
 </file>
 
 <file path=customXml/itemProps2.xml><?xml version="1.0" encoding="utf-8"?>
-<ds:datastoreItem xmlns:ds="http://schemas.openxmlformats.org/officeDocument/2006/customXml" ds:itemID="{25420CD7-A7E5-4F9D-A3D4-728EA85F9056}">
-  <ds:schemaRefs>
-    <ds:schemaRef ds:uri="http://schemas.microsoft.com/sharepoint/v3/contenttype/forms"/>
-  </ds:schemaRefs>
-</ds:datastoreItem>
-</file>
-
-<file path=customXml/itemProps3.xml><?xml version="1.0" encoding="utf-8"?>
 <ds:datastoreItem xmlns:ds="http://schemas.openxmlformats.org/officeDocument/2006/customXml" ds:itemID="{B857AFEB-E2B3-414B-904E-F864275AD4F5}">
   <ds:schemaRefs>
     <ds:schemaRef ds:uri="http://schemas.microsoft.com/office/2006/metadata/contentType"/>
@@ -12254,4 +13321,12 @@
     <ds:schemaRef ds:uri="http://schemas.microsoft.com/office/infopath/2007/PartnerControls"/>
   </ds:schemaRefs>
 </ds:datastoreItem>
+</file>
+
+<file path=customXml/itemProps3.xml><?xml version="1.0" encoding="utf-8"?>
+<ds:datastoreItem xmlns:ds="http://schemas.openxmlformats.org/officeDocument/2006/customXml" ds:itemID="{25420CD7-A7E5-4F9D-A3D4-728EA85F9056}">
+  <ds:schemaRefs>
+    <ds:schemaRef ds:uri="http://schemas.microsoft.com/sharepoint/v3/contenttype/forms"/>
+  </ds:schemaRefs>
+</ds:datastoreItem>
 </file>